--- a/Final_slides/E6.pptx
+++ b/Final_slides/E6.pptx
@@ -3184,7 +3184,7 @@
           <a:p>
             <a:fld id="{50CB7493-E873-4ECD-BE02-F1B4AAEFB17A}" type="datetimeFigureOut">
               <a:rPr lang="en-GB" smtClean="0"/>
-              <a:t>31/12/2023</a:t>
+              <a:t>02/01/2024</a:t>
             </a:fld>
             <a:endParaRPr lang="en-GB"/>
           </a:p>
@@ -3382,7 +3382,7 @@
           <a:p>
             <a:fld id="{50CB7493-E873-4ECD-BE02-F1B4AAEFB17A}" type="datetimeFigureOut">
               <a:rPr lang="en-GB" smtClean="0"/>
-              <a:t>31/12/2023</a:t>
+              <a:t>02/01/2024</a:t>
             </a:fld>
             <a:endParaRPr lang="en-GB"/>
           </a:p>
@@ -3590,7 +3590,7 @@
           <a:p>
             <a:fld id="{50CB7493-E873-4ECD-BE02-F1B4AAEFB17A}" type="datetimeFigureOut">
               <a:rPr lang="en-GB" smtClean="0"/>
-              <a:t>31/12/2023</a:t>
+              <a:t>02/01/2024</a:t>
             </a:fld>
             <a:endParaRPr lang="en-GB"/>
           </a:p>
@@ -3788,7 +3788,7 @@
           <a:p>
             <a:fld id="{50CB7493-E873-4ECD-BE02-F1B4AAEFB17A}" type="datetimeFigureOut">
               <a:rPr lang="en-GB" smtClean="0"/>
-              <a:t>31/12/2023</a:t>
+              <a:t>02/01/2024</a:t>
             </a:fld>
             <a:endParaRPr lang="en-GB"/>
           </a:p>
@@ -4063,7 +4063,7 @@
           <a:p>
             <a:fld id="{50CB7493-E873-4ECD-BE02-F1B4AAEFB17A}" type="datetimeFigureOut">
               <a:rPr lang="en-GB" smtClean="0"/>
-              <a:t>31/12/2023</a:t>
+              <a:t>02/01/2024</a:t>
             </a:fld>
             <a:endParaRPr lang="en-GB"/>
           </a:p>
@@ -4328,7 +4328,7 @@
           <a:p>
             <a:fld id="{50CB7493-E873-4ECD-BE02-F1B4AAEFB17A}" type="datetimeFigureOut">
               <a:rPr lang="en-GB" smtClean="0"/>
-              <a:t>31/12/2023</a:t>
+              <a:t>02/01/2024</a:t>
             </a:fld>
             <a:endParaRPr lang="en-GB"/>
           </a:p>
@@ -4740,7 +4740,7 @@
           <a:p>
             <a:fld id="{50CB7493-E873-4ECD-BE02-F1B4AAEFB17A}" type="datetimeFigureOut">
               <a:rPr lang="en-GB" smtClean="0"/>
-              <a:t>31/12/2023</a:t>
+              <a:t>02/01/2024</a:t>
             </a:fld>
             <a:endParaRPr lang="en-GB"/>
           </a:p>
@@ -4881,7 +4881,7 @@
           <a:p>
             <a:fld id="{50CB7493-E873-4ECD-BE02-F1B4AAEFB17A}" type="datetimeFigureOut">
               <a:rPr lang="en-GB" smtClean="0"/>
-              <a:t>31/12/2023</a:t>
+              <a:t>02/01/2024</a:t>
             </a:fld>
             <a:endParaRPr lang="en-GB"/>
           </a:p>
@@ -4994,7 +4994,7 @@
           <a:p>
             <a:fld id="{50CB7493-E873-4ECD-BE02-F1B4AAEFB17A}" type="datetimeFigureOut">
               <a:rPr lang="en-GB" smtClean="0"/>
-              <a:t>31/12/2023</a:t>
+              <a:t>02/01/2024</a:t>
             </a:fld>
             <a:endParaRPr lang="en-GB"/>
           </a:p>
@@ -5305,7 +5305,7 @@
           <a:p>
             <a:fld id="{50CB7493-E873-4ECD-BE02-F1B4AAEFB17A}" type="datetimeFigureOut">
               <a:rPr lang="en-GB" smtClean="0"/>
-              <a:t>31/12/2023</a:t>
+              <a:t>02/01/2024</a:t>
             </a:fld>
             <a:endParaRPr lang="en-GB"/>
           </a:p>
@@ -5593,7 +5593,7 @@
           <a:p>
             <a:fld id="{50CB7493-E873-4ECD-BE02-F1B4AAEFB17A}" type="datetimeFigureOut">
               <a:rPr lang="en-GB" smtClean="0"/>
-              <a:t>31/12/2023</a:t>
+              <a:t>02/01/2024</a:t>
             </a:fld>
             <a:endParaRPr lang="en-GB"/>
           </a:p>
@@ -5834,7 +5834,7 @@
           <a:p>
             <a:fld id="{50CB7493-E873-4ECD-BE02-F1B4AAEFB17A}" type="datetimeFigureOut">
               <a:rPr lang="en-GB" smtClean="0"/>
-              <a:t>31/12/2023</a:t>
+              <a:t>02/01/2024</a:t>
             </a:fld>
             <a:endParaRPr lang="en-GB"/>
           </a:p>
@@ -6274,7 +6274,7 @@
           <a:p>
             <a:r>
               <a:rPr lang="en-GB" dirty="0"/>
-              <a:t>Exercise 6</a:t>
+              <a:t>Exercise E6</a:t>
             </a:r>
           </a:p>
         </p:txBody>
@@ -6684,7 +6684,7 @@
           <a:p>
             <a:r>
               <a:rPr lang="en-GB" dirty="0"/>
-              <a:t>Exercise 6</a:t>
+              <a:t>Exercise E6</a:t>
             </a:r>
           </a:p>
         </p:txBody>
@@ -8189,7 +8189,7 @@
           <a:p>
             <a:r>
               <a:rPr lang="en-GB" dirty="0"/>
-              <a:t>Exercise 6</a:t>
+              <a:t>Exercise E6</a:t>
             </a:r>
           </a:p>
         </p:txBody>
@@ -8282,13 +8282,13 @@
           <a:p>
             <a:r>
               <a:rPr lang="en-GB" dirty="0"/>
-              <a:t>Exercise 6</a:t>
+              <a:t>Exercise E6</a:t>
             </a:r>
           </a:p>
         </p:txBody>
       </p:sp>
-      <mc:AlternateContent xmlns:mc="http://schemas.openxmlformats.org/markup-compatibility/2006">
-        <mc:Choice xmlns:a14="http://schemas.microsoft.com/office/drawing/2010/main" Requires="a14">
+      <mc:AlternateContent xmlns:mc="http://schemas.openxmlformats.org/markup-compatibility/2006" xmlns:a14="http://schemas.microsoft.com/office/drawing/2010/main">
+        <mc:Choice Requires="a14">
           <p:sp>
             <p:nvSpPr>
               <p:cNvPr id="3" name="Content Placeholder 2">
@@ -8452,7 +8452,7 @@
             </p:txBody>
           </p:sp>
         </mc:Choice>
-        <mc:Fallback>
+        <mc:Fallback xmlns="">
           <p:sp>
             <p:nvSpPr>
               <p:cNvPr id="3" name="Content Placeholder 2">
@@ -8545,7 +8545,7 @@
           <a:p>
             <a:r>
               <a:rPr lang="en-GB" dirty="0"/>
-              <a:t>Exercise 6</a:t>
+              <a:t>Exercise E6</a:t>
             </a:r>
           </a:p>
         </p:txBody>
@@ -8628,9 +8628,10 @@
           <a:lstStyle/>
           <a:p>
             <a:r>
-              <a:rPr lang="en-GB" dirty="0"/>
-              <a:t>Exercise 6</a:t>
+              <a:rPr lang="en-GB"/>
+              <a:t>Exercise E6</a:t>
             </a:r>
+            <a:endParaRPr lang="en-GB" dirty="0"/>
           </a:p>
         </p:txBody>
       </p:sp>
